--- a/Presentazione_OSC_I.pptx
+++ b/Presentazione_OSC_I.pptx
@@ -7682,8 +7682,8 @@
           </a:p>
         </p:txBody>
       </p:sp>
-      <mc:AlternateContent xmlns:mc="http://schemas.openxmlformats.org/markup-compatibility/2006">
-        <mc:Choice xmlns:a14="http://schemas.microsoft.com/office/drawing/2010/main" Requires="a14">
+      <mc:AlternateContent xmlns:mc="http://schemas.openxmlformats.org/markup-compatibility/2006" xmlns:a14="http://schemas.microsoft.com/office/drawing/2010/main">
+        <mc:Choice Requires="a14">
           <p:sp>
             <p:nvSpPr>
               <p:cNvPr id="3" name="Segnaposto contenuto 2">
@@ -8315,7 +8315,7 @@
             </p:txBody>
           </p:sp>
         </mc:Choice>
-        <mc:Fallback>
+        <mc:Fallback xmlns="">
           <p:sp>
             <p:nvSpPr>
               <p:cNvPr id="3" name="Segnaposto contenuto 2">
@@ -8359,8 +8359,8 @@
           </p:sp>
         </mc:Fallback>
       </mc:AlternateContent>
-      <mc:AlternateContent xmlns:mc="http://schemas.openxmlformats.org/markup-compatibility/2006">
-        <mc:Choice xmlns:a14="http://schemas.microsoft.com/office/drawing/2010/main" Requires="a14">
+      <mc:AlternateContent xmlns:mc="http://schemas.openxmlformats.org/markup-compatibility/2006" xmlns:a14="http://schemas.microsoft.com/office/drawing/2010/main">
+        <mc:Choice Requires="a14">
           <p:sp>
             <p:nvSpPr>
               <p:cNvPr id="5" name="CasellaDiTesto 4">
@@ -8668,7 +8668,7 @@
             </p:txBody>
           </p:sp>
         </mc:Choice>
-        <mc:Fallback>
+        <mc:Fallback xmlns="">
           <p:sp>
             <p:nvSpPr>
               <p:cNvPr id="5" name="CasellaDiTesto 4">
@@ -8713,8 +8713,8 @@
           </p:sp>
         </mc:Fallback>
       </mc:AlternateContent>
-      <mc:AlternateContent xmlns:mc="http://schemas.openxmlformats.org/markup-compatibility/2006">
-        <mc:Choice xmlns:a14="http://schemas.microsoft.com/office/drawing/2010/main" Requires="a14">
+      <mc:AlternateContent xmlns:mc="http://schemas.openxmlformats.org/markup-compatibility/2006" xmlns:a14="http://schemas.microsoft.com/office/drawing/2010/main">
+        <mc:Choice Requires="a14">
           <p:sp>
             <p:nvSpPr>
               <p:cNvPr id="6" name="CasellaDiTesto 5">
@@ -8756,6 +8756,7 @@
               </a:bodyPr>
               <a:lstStyle/>
               <a:p>
+                <a:pPr/>
                 <a14:m>
                   <m:oMathPara xmlns:m="http://schemas.openxmlformats.org/officeDocument/2006/math">
                     <m:oMathParaPr>
@@ -8829,7 +8830,7 @@
             </p:txBody>
           </p:sp>
         </mc:Choice>
-        <mc:Fallback>
+        <mc:Fallback xmlns="">
           <p:sp>
             <p:nvSpPr>
               <p:cNvPr id="6" name="CasellaDiTesto 5">
@@ -8937,8 +8938,8 @@
           </a:p>
         </p:txBody>
       </p:sp>
-      <mc:AlternateContent xmlns:mc="http://schemas.openxmlformats.org/markup-compatibility/2006">
-        <mc:Choice xmlns:a14="http://schemas.microsoft.com/office/drawing/2010/main" Requires="a14">
+      <mc:AlternateContent xmlns:mc="http://schemas.openxmlformats.org/markup-compatibility/2006" xmlns:a14="http://schemas.microsoft.com/office/drawing/2010/main">
+        <mc:Choice Requires="a14">
           <p:sp>
             <p:nvSpPr>
               <p:cNvPr id="3" name="Segnaposto contenuto 2">
@@ -9184,7 +9185,7 @@
             </p:txBody>
           </p:sp>
         </mc:Choice>
-        <mc:Fallback>
+        <mc:Fallback xmlns="">
           <p:sp>
             <p:nvSpPr>
               <p:cNvPr id="3" name="Segnaposto contenuto 2">
@@ -9404,10 +9405,10 @@
       </p:sp>
       <p:pic>
         <p:nvPicPr>
-          <p:cNvPr id="10" name="Immagine 9">
+          <p:cNvPr id="5" name="Immagine 4">
             <a:extLst>
               <a:ext uri="{FF2B5EF4-FFF2-40B4-BE49-F238E27FC236}">
-                <a16:creationId xmlns:a16="http://schemas.microsoft.com/office/drawing/2014/main" id="{A8286367-85D1-4D17-B027-6753E0F82A74}"/>
+                <a16:creationId xmlns:a16="http://schemas.microsoft.com/office/drawing/2014/main" id="{A8814A47-2E00-4F6D-AA24-1673EADBD8A5}"/>
               </a:ext>
             </a:extLst>
           </p:cNvPr>
@@ -9424,37 +9425,7 @@
         </p:blipFill>
         <p:spPr>
           <a:xfrm>
-            <a:off x="8076000" y="2029625"/>
-            <a:ext cx="3960000" cy="3934884"/>
-          </a:xfrm>
-          <a:prstGeom prst="rect">
-            <a:avLst/>
-          </a:prstGeom>
-        </p:spPr>
-      </p:pic>
-      <p:pic>
-        <p:nvPicPr>
-          <p:cNvPr id="5" name="Immagine 4">
-            <a:extLst>
-              <a:ext uri="{FF2B5EF4-FFF2-40B4-BE49-F238E27FC236}">
-                <a16:creationId xmlns:a16="http://schemas.microsoft.com/office/drawing/2014/main" id="{A8814A47-2E00-4F6D-AA24-1673EADBD8A5}"/>
-              </a:ext>
-            </a:extLst>
-          </p:cNvPr>
-          <p:cNvPicPr>
-            <a:picLocks noChangeAspect="1"/>
-          </p:cNvPicPr>
-          <p:nvPr/>
-        </p:nvPicPr>
-        <p:blipFill>
-          <a:blip r:embed="rId3"/>
-          <a:stretch>
-            <a:fillRect/>
-          </a:stretch>
-        </p:blipFill>
-        <p:spPr>
-          <a:xfrm>
-            <a:off x="4116001" y="1913833"/>
+            <a:off x="4053691" y="1806530"/>
             <a:ext cx="3960000" cy="4066071"/>
           </a:xfrm>
           <a:prstGeom prst="rect">
@@ -9482,14 +9453,14 @@
           <p:nvPr/>
         </p:nvPicPr>
         <p:blipFill>
-          <a:blip r:embed="rId4"/>
+          <a:blip r:embed="rId3"/>
           <a:stretch>
             <a:fillRect/>
           </a:stretch>
         </p:blipFill>
         <p:spPr>
           <a:xfrm>
-            <a:off x="0" y="1897095"/>
+            <a:off x="0" y="1805187"/>
             <a:ext cx="3960000" cy="4067414"/>
           </a:xfrm>
           <a:prstGeom prst="rect">
@@ -9502,8 +9473,8 @@
           </a:ln>
         </p:spPr>
       </p:pic>
-      <mc:AlternateContent xmlns:mc="http://schemas.openxmlformats.org/markup-compatibility/2006">
-        <mc:Choice xmlns:a14="http://schemas.microsoft.com/office/drawing/2010/main" Requires="a14">
+      <mc:AlternateContent xmlns:mc="http://schemas.openxmlformats.org/markup-compatibility/2006" xmlns:a14="http://schemas.microsoft.com/office/drawing/2010/main">
+        <mc:Choice Requires="a14">
           <p:sp>
             <p:nvSpPr>
               <p:cNvPr id="9" name="CasellaDiTesto 8">
@@ -9820,13 +9791,12 @@
                 <a:endParaRPr lang="it-IT" dirty="0"/>
               </a:p>
               <a:p>
-                <a:pPr/>
                 <a:endParaRPr lang="it-IT" dirty="0"/>
               </a:p>
             </p:txBody>
           </p:sp>
         </mc:Choice>
-        <mc:Fallback>
+        <mc:Fallback xmlns="">
           <p:sp>
             <p:nvSpPr>
               <p:cNvPr id="9" name="CasellaDiTesto 8">
@@ -9871,6 +9841,36 @@
           </p:sp>
         </mc:Fallback>
       </mc:AlternateContent>
+      <p:pic>
+        <p:nvPicPr>
+          <p:cNvPr id="7" name="Immagine 6">
+            <a:extLst>
+              <a:ext uri="{FF2B5EF4-FFF2-40B4-BE49-F238E27FC236}">
+                <a16:creationId xmlns:a16="http://schemas.microsoft.com/office/drawing/2014/main" id="{40130039-7A7B-4F9F-8420-009B06762F6A}"/>
+              </a:ext>
+            </a:extLst>
+          </p:cNvPr>
+          <p:cNvPicPr>
+            <a:picLocks noChangeAspect="1"/>
+          </p:cNvPicPr>
+          <p:nvPr/>
+        </p:nvPicPr>
+        <p:blipFill>
+          <a:blip r:embed="rId6"/>
+          <a:stretch>
+            <a:fillRect/>
+          </a:stretch>
+        </p:blipFill>
+        <p:spPr>
+          <a:xfrm>
+            <a:off x="8107382" y="1774924"/>
+            <a:ext cx="4084618" cy="4127940"/>
+          </a:xfrm>
+          <a:prstGeom prst="rect">
+            <a:avLst/>
+          </a:prstGeom>
+        </p:spPr>
+      </p:pic>
     </p:spTree>
     <p:extLst>
       <p:ext uri="{BB962C8B-B14F-4D97-AF65-F5344CB8AC3E}">
@@ -10792,8 +10792,8 @@
           </a:p>
         </p:txBody>
       </p:sp>
-      <mc:AlternateContent xmlns:mc="http://schemas.openxmlformats.org/markup-compatibility/2006">
-        <mc:Choice xmlns:a14="http://schemas.microsoft.com/office/drawing/2010/main" Requires="a14">
+      <mc:AlternateContent xmlns:mc="http://schemas.openxmlformats.org/markup-compatibility/2006" xmlns:a14="http://schemas.microsoft.com/office/drawing/2010/main">
+        <mc:Choice Requires="a14">
           <p:sp>
             <p:nvSpPr>
               <p:cNvPr id="10" name="CasellaDiTesto 9">
@@ -10822,6 +10822,7 @@
               </a:bodyPr>
               <a:lstStyle/>
               <a:p>
+                <a:pPr/>
                 <a14:m>
                   <m:oMathPara xmlns:m="http://schemas.openxmlformats.org/officeDocument/2006/math">
                     <m:oMathParaPr>
@@ -11071,7 +11072,7 @@
             </p:txBody>
           </p:sp>
         </mc:Choice>
-        <mc:Fallback>
+        <mc:Fallback xmlns="">
           <p:sp>
             <p:nvSpPr>
               <p:cNvPr id="10" name="CasellaDiTesto 9">
